--- a/Slides/Basketball 4/Basketball_4_Lecture.pptx
+++ b/Slides/Basketball 4/Basketball_4_Lecture.pptx
@@ -225,7 +225,7 @@
           <a:p>
             <a:fld id="{C04E5E84-956F-4423-97B3-5936A6D8EEEE}" type="datetimeFigureOut">
               <a:rPr lang="en-US" smtClean="0"/>
-              <a:t>10/1/2019</a:t>
+              <a:t>10/2/2019</a:t>
             </a:fld>
             <a:endParaRPr lang="en-US"/>
           </a:p>
@@ -686,7 +686,7 @@
           <a:p>
             <a:fld id="{3881C039-66A3-4640-815B-3B5A8B7D868D}" type="datetimeFigureOut">
               <a:rPr lang="en-US" smtClean="0"/>
-              <a:t>10/1/2019</a:t>
+              <a:t>10/2/2019</a:t>
             </a:fld>
             <a:endParaRPr lang="en-US"/>
           </a:p>
@@ -856,7 +856,7 @@
           <a:p>
             <a:fld id="{3881C039-66A3-4640-815B-3B5A8B7D868D}" type="datetimeFigureOut">
               <a:rPr lang="en-US" smtClean="0"/>
-              <a:t>10/1/2019</a:t>
+              <a:t>10/2/2019</a:t>
             </a:fld>
             <a:endParaRPr lang="en-US"/>
           </a:p>
@@ -1077,7 +1077,7 @@
           <a:p>
             <a:fld id="{3881C039-66A3-4640-815B-3B5A8B7D868D}" type="datetimeFigureOut">
               <a:rPr lang="en-US" smtClean="0"/>
-              <a:t>10/1/2019</a:t>
+              <a:t>10/2/2019</a:t>
             </a:fld>
             <a:endParaRPr lang="en-US"/>
           </a:p>
@@ -1288,7 +1288,7 @@
           <a:p>
             <a:fld id="{3881C039-66A3-4640-815B-3B5A8B7D868D}" type="datetimeFigureOut">
               <a:rPr lang="en-US" smtClean="0"/>
-              <a:t>10/1/2019</a:t>
+              <a:t>10/2/2019</a:t>
             </a:fld>
             <a:endParaRPr lang="en-US"/>
           </a:p>
@@ -1583,7 +1583,7 @@
           <a:p>
             <a:fld id="{3881C039-66A3-4640-815B-3B5A8B7D868D}" type="datetimeFigureOut">
               <a:rPr lang="en-US" smtClean="0"/>
-              <a:t>10/1/2019</a:t>
+              <a:t>10/2/2019</a:t>
             </a:fld>
             <a:endParaRPr lang="en-US"/>
           </a:p>
@@ -1912,7 +1912,7 @@
           <a:p>
             <a:fld id="{3881C039-66A3-4640-815B-3B5A8B7D868D}" type="datetimeFigureOut">
               <a:rPr lang="en-US" smtClean="0"/>
-              <a:t>10/1/2019</a:t>
+              <a:t>10/2/2019</a:t>
             </a:fld>
             <a:endParaRPr lang="en-US"/>
           </a:p>
@@ -2404,7 +2404,7 @@
           <a:p>
             <a:fld id="{3881C039-66A3-4640-815B-3B5A8B7D868D}" type="datetimeFigureOut">
               <a:rPr lang="en-US" smtClean="0"/>
-              <a:t>10/1/2019</a:t>
+              <a:t>10/2/2019</a:t>
             </a:fld>
             <a:endParaRPr lang="en-US"/>
           </a:p>
@@ -2563,7 +2563,7 @@
           <a:p>
             <a:fld id="{3881C039-66A3-4640-815B-3B5A8B7D868D}" type="datetimeFigureOut">
               <a:rPr lang="en-US" smtClean="0"/>
-              <a:t>10/1/2019</a:t>
+              <a:t>10/2/2019</a:t>
             </a:fld>
             <a:endParaRPr lang="en-US"/>
           </a:p>
@@ -2699,7 +2699,7 @@
           <a:p>
             <a:fld id="{3881C039-66A3-4640-815B-3B5A8B7D868D}" type="datetimeFigureOut">
               <a:rPr lang="en-US" smtClean="0"/>
-              <a:t>10/1/2019</a:t>
+              <a:t>10/2/2019</a:t>
             </a:fld>
             <a:endParaRPr lang="en-US"/>
           </a:p>
@@ -3027,7 +3027,7 @@
           <a:p>
             <a:fld id="{3881C039-66A3-4640-815B-3B5A8B7D868D}" type="datetimeFigureOut">
               <a:rPr lang="en-US" smtClean="0"/>
-              <a:t>10/1/2019</a:t>
+              <a:t>10/2/2019</a:t>
             </a:fld>
             <a:endParaRPr lang="en-US"/>
           </a:p>
@@ -3342,7 +3342,7 @@
           <a:p>
             <a:fld id="{3881C039-66A3-4640-815B-3B5A8B7D868D}" type="datetimeFigureOut">
               <a:rPr lang="en-US" smtClean="0"/>
-              <a:t>10/1/2019</a:t>
+              <a:t>10/2/2019</a:t>
             </a:fld>
             <a:endParaRPr lang="en-US"/>
           </a:p>
@@ -3594,7 +3594,7 @@
           <a:p>
             <a:fld id="{3881C039-66A3-4640-815B-3B5A8B7D868D}" type="datetimeFigureOut">
               <a:rPr lang="en-US" smtClean="0"/>
-              <a:t>10/1/2019</a:t>
+              <a:t>10/2/2019</a:t>
             </a:fld>
             <a:endParaRPr lang="en-US"/>
           </a:p>
@@ -7638,8 +7638,8 @@
           </a:ln>
         </p:spPr>
       </p:pic>
-      <mc:AlternateContent xmlns:mc="http://schemas.openxmlformats.org/markup-compatibility/2006">
-        <mc:Choice xmlns:a14="http://schemas.microsoft.com/office/drawing/2010/main" Requires="a14">
+      <mc:AlternateContent xmlns:mc="http://schemas.openxmlformats.org/markup-compatibility/2006" xmlns:a14="http://schemas.microsoft.com/office/drawing/2010/main">
+        <mc:Choice Requires="a14">
           <p:sp>
             <p:nvSpPr>
               <p:cNvPr id="25" name="TextBox 24">
@@ -7793,7 +7793,7 @@
             </p:txBody>
           </p:sp>
         </mc:Choice>
-        <mc:Fallback>
+        <mc:Fallback xmlns="">
           <p:sp>
             <p:nvSpPr>
               <p:cNvPr id="25" name="TextBox 24">
@@ -8836,8 +8836,8 @@
           </a:fontRef>
         </p:style>
       </p:cxnSp>
-      <mc:AlternateContent xmlns:mc="http://schemas.openxmlformats.org/markup-compatibility/2006">
-        <mc:Choice xmlns:a14="http://schemas.microsoft.com/office/drawing/2010/main" Requires="a14">
+      <mc:AlternateContent xmlns:mc="http://schemas.openxmlformats.org/markup-compatibility/2006" xmlns:a14="http://schemas.microsoft.com/office/drawing/2010/main">
+        <mc:Choice Requires="a14">
           <p:sp>
             <p:nvSpPr>
               <p:cNvPr id="25" name="TextBox 24">
@@ -8991,7 +8991,7 @@
             </p:txBody>
           </p:sp>
         </mc:Choice>
-        <mc:Fallback>
+        <mc:Fallback xmlns="">
           <p:sp>
             <p:nvSpPr>
               <p:cNvPr id="25" name="TextBox 24">
@@ -9071,8 +9071,8 @@
           </a:ln>
         </p:spPr>
       </p:pic>
-      <mc:AlternateContent xmlns:mc="http://schemas.openxmlformats.org/markup-compatibility/2006">
-        <mc:Choice xmlns:a14="http://schemas.microsoft.com/office/drawing/2010/main" Requires="a14">
+      <mc:AlternateContent xmlns:mc="http://schemas.openxmlformats.org/markup-compatibility/2006" xmlns:a14="http://schemas.microsoft.com/office/drawing/2010/main">
+        <mc:Choice Requires="a14">
           <p:sp>
             <p:nvSpPr>
               <p:cNvPr id="26" name="TextBox 25">
@@ -9252,7 +9252,7 @@
             </p:txBody>
           </p:sp>
         </mc:Choice>
-        <mc:Fallback>
+        <mc:Fallback xmlns="">
           <p:sp>
             <p:nvSpPr>
               <p:cNvPr id="26" name="TextBox 25">
@@ -10458,8 +10458,8 @@
           </a:fontRef>
         </p:style>
       </p:cxnSp>
-      <mc:AlternateContent xmlns:mc="http://schemas.openxmlformats.org/markup-compatibility/2006">
-        <mc:Choice xmlns:a14="http://schemas.microsoft.com/office/drawing/2010/main" Requires="a14">
+      <mc:AlternateContent xmlns:mc="http://schemas.openxmlformats.org/markup-compatibility/2006" xmlns:a14="http://schemas.microsoft.com/office/drawing/2010/main">
+        <mc:Choice Requires="a14">
           <p:sp>
             <p:nvSpPr>
               <p:cNvPr id="20" name="TextBox 19">
@@ -10543,7 +10543,7 @@
             </p:txBody>
           </p:sp>
         </mc:Choice>
-        <mc:Fallback>
+        <mc:Fallback xmlns="">
           <p:sp>
             <p:nvSpPr>
               <p:cNvPr id="20" name="TextBox 19">
@@ -10588,8 +10588,8 @@
           </p:sp>
         </mc:Fallback>
       </mc:AlternateContent>
-      <mc:AlternateContent xmlns:mc="http://schemas.openxmlformats.org/markup-compatibility/2006">
-        <mc:Choice xmlns:a14="http://schemas.microsoft.com/office/drawing/2010/main" Requires="a14">
+      <mc:AlternateContent xmlns:mc="http://schemas.openxmlformats.org/markup-compatibility/2006" xmlns:a14="http://schemas.microsoft.com/office/drawing/2010/main">
+        <mc:Choice Requires="a14">
           <p:sp>
             <p:nvSpPr>
               <p:cNvPr id="21" name="TextBox 20">
@@ -10707,7 +10707,7 @@
             </p:txBody>
           </p:sp>
         </mc:Choice>
-        <mc:Fallback>
+        <mc:Fallback xmlns="">
           <p:sp>
             <p:nvSpPr>
               <p:cNvPr id="21" name="TextBox 20">
@@ -10752,8 +10752,8 @@
           </p:sp>
         </mc:Fallback>
       </mc:AlternateContent>
-      <mc:AlternateContent xmlns:mc="http://schemas.openxmlformats.org/markup-compatibility/2006">
-        <mc:Choice xmlns:a14="http://schemas.microsoft.com/office/drawing/2010/main" Requires="a14">
+      <mc:AlternateContent xmlns:mc="http://schemas.openxmlformats.org/markup-compatibility/2006" xmlns:a14="http://schemas.microsoft.com/office/drawing/2010/main">
+        <mc:Choice Requires="a14">
           <p:sp>
             <p:nvSpPr>
               <p:cNvPr id="22" name="TextBox 21">
@@ -10873,7 +10873,7 @@
             </p:txBody>
           </p:sp>
         </mc:Choice>
-        <mc:Fallback>
+        <mc:Fallback xmlns="">
           <p:sp>
             <p:nvSpPr>
               <p:cNvPr id="22" name="TextBox 21">
@@ -11893,8 +11893,8 @@
           </a:fontRef>
         </p:style>
       </p:cxnSp>
-      <mc:AlternateContent xmlns:mc="http://schemas.openxmlformats.org/markup-compatibility/2006">
-        <mc:Choice xmlns:a14="http://schemas.microsoft.com/office/drawing/2010/main" Requires="a14">
+      <mc:AlternateContent xmlns:mc="http://schemas.openxmlformats.org/markup-compatibility/2006" xmlns:a14="http://schemas.microsoft.com/office/drawing/2010/main">
+        <mc:Choice Requires="a14">
           <p:sp>
             <p:nvSpPr>
               <p:cNvPr id="20" name="TextBox 19">
@@ -12030,7 +12030,7 @@
             </p:txBody>
           </p:sp>
         </mc:Choice>
-        <mc:Fallback>
+        <mc:Fallback xmlns="">
           <p:sp>
             <p:nvSpPr>
               <p:cNvPr id="20" name="TextBox 19">
@@ -12075,8 +12075,8 @@
           </p:sp>
         </mc:Fallback>
       </mc:AlternateContent>
-      <mc:AlternateContent xmlns:mc="http://schemas.openxmlformats.org/markup-compatibility/2006">
-        <mc:Choice xmlns:a14="http://schemas.microsoft.com/office/drawing/2010/main" Requires="a14">
+      <mc:AlternateContent xmlns:mc="http://schemas.openxmlformats.org/markup-compatibility/2006" xmlns:a14="http://schemas.microsoft.com/office/drawing/2010/main">
+        <mc:Choice Requires="a14">
           <p:sp>
             <p:nvSpPr>
               <p:cNvPr id="25" name="TextBox 24">
@@ -12205,7 +12205,7 @@
             </p:txBody>
           </p:sp>
         </mc:Choice>
-        <mc:Fallback>
+        <mc:Fallback xmlns="">
           <p:sp>
             <p:nvSpPr>
               <p:cNvPr id="25" name="TextBox 24">
@@ -13471,8 +13471,8 @@
           </a:graphicData>
         </a:graphic>
       </p:graphicFrame>
-      <mc:AlternateContent xmlns:mc="http://schemas.openxmlformats.org/markup-compatibility/2006">
-        <mc:Choice xmlns:a14="http://schemas.microsoft.com/office/drawing/2010/main" Requires="a14">
+      <mc:AlternateContent xmlns:mc="http://schemas.openxmlformats.org/markup-compatibility/2006" xmlns:a14="http://schemas.microsoft.com/office/drawing/2010/main">
+        <mc:Choice Requires="a14">
           <p:sp>
             <p:nvSpPr>
               <p:cNvPr id="26" name="TextBox 25">
@@ -13608,7 +13608,7 @@
             </p:txBody>
           </p:sp>
         </mc:Choice>
-        <mc:Fallback>
+        <mc:Fallback xmlns="">
           <p:sp>
             <p:nvSpPr>
               <p:cNvPr id="26" name="TextBox 25">
@@ -18352,8 +18352,8 @@
           </a:fontRef>
         </p:style>
       </p:cxnSp>
-      <mc:AlternateContent xmlns:mc="http://schemas.openxmlformats.org/markup-compatibility/2006">
-        <mc:Choice xmlns:a14="http://schemas.microsoft.com/office/drawing/2010/main" Requires="a14">
+      <mc:AlternateContent xmlns:mc="http://schemas.openxmlformats.org/markup-compatibility/2006" xmlns:a14="http://schemas.microsoft.com/office/drawing/2010/main">
+        <mc:Choice Requires="a14">
           <p:sp>
             <p:nvSpPr>
               <p:cNvPr id="3" name="TextBox 2">
@@ -18662,7 +18662,7 @@
             </p:txBody>
           </p:sp>
         </mc:Choice>
-        <mc:Fallback>
+        <mc:Fallback xmlns="">
           <p:sp>
             <p:nvSpPr>
               <p:cNvPr id="3" name="TextBox 2">
@@ -21873,8 +21873,8 @@
           </a:fontRef>
         </p:style>
       </p:cxnSp>
-      <mc:AlternateContent xmlns:mc="http://schemas.openxmlformats.org/markup-compatibility/2006">
-        <mc:Choice xmlns:a14="http://schemas.microsoft.com/office/drawing/2010/main" Requires="a14">
+      <mc:AlternateContent xmlns:mc="http://schemas.openxmlformats.org/markup-compatibility/2006" xmlns:a14="http://schemas.microsoft.com/office/drawing/2010/main">
+        <mc:Choice Requires="a14">
           <p:sp>
             <p:nvSpPr>
               <p:cNvPr id="21" name="TextBox 20">
@@ -22120,7 +22120,7 @@
             </p:txBody>
           </p:sp>
         </mc:Choice>
-        <mc:Fallback>
+        <mc:Fallback xmlns="">
           <p:sp>
             <p:nvSpPr>
               <p:cNvPr id="21" name="TextBox 20">
@@ -22200,8 +22200,8 @@
           </a:ln>
         </p:spPr>
       </p:pic>
-      <mc:AlternateContent xmlns:mc="http://schemas.openxmlformats.org/markup-compatibility/2006">
-        <mc:Choice xmlns:a14="http://schemas.microsoft.com/office/drawing/2010/main" Requires="a14">
+      <mc:AlternateContent xmlns:mc="http://schemas.openxmlformats.org/markup-compatibility/2006" xmlns:a14="http://schemas.microsoft.com/office/drawing/2010/main">
+        <mc:Choice Requires="a14">
           <p:sp>
             <p:nvSpPr>
               <p:cNvPr id="25" name="TextBox 24">
@@ -22349,7 +22349,7 @@
             </p:txBody>
           </p:sp>
         </mc:Choice>
-        <mc:Fallback>
+        <mc:Fallback xmlns="">
           <p:sp>
             <p:nvSpPr>
               <p:cNvPr id="25" name="TextBox 24">
@@ -23510,8 +23510,8 @@
           </a:fontRef>
         </p:style>
       </p:cxnSp>
-      <mc:AlternateContent xmlns:mc="http://schemas.openxmlformats.org/markup-compatibility/2006">
-        <mc:Choice xmlns:a14="http://schemas.microsoft.com/office/drawing/2010/main" Requires="a14">
+      <mc:AlternateContent xmlns:mc="http://schemas.openxmlformats.org/markup-compatibility/2006" xmlns:a14="http://schemas.microsoft.com/office/drawing/2010/main">
+        <mc:Choice Requires="a14">
           <p:sp>
             <p:nvSpPr>
               <p:cNvPr id="28" name="TextBox 27">
@@ -23665,7 +23665,7 @@
             </p:txBody>
           </p:sp>
         </mc:Choice>
-        <mc:Fallback>
+        <mc:Fallback xmlns="">
           <p:sp>
             <p:nvSpPr>
               <p:cNvPr id="28" name="TextBox 27">
